--- a/IHP_2024/IHPSG25EPIC線表_小島.pptx
+++ b/IHP_2024/IHPSG25EPIC線表_小島.pptx
@@ -197,7 +197,7 @@
           <a:p>
             <a:fld id="{F8456487-DC86-474A-B4EE-F658698A396D}" type="datetimeFigureOut">
               <a:rPr kumimoji="1" lang="ja-JP" altLang="en-US" smtClean="0"/>
-              <a:t>2024/5/25</a:t>
+              <a:t>2024/5/27</a:t>
             </a:fld>
             <a:endParaRPr kumimoji="1" lang="ja-JP" altLang="en-US"/>
           </a:p>
@@ -5324,7 +5324,7 @@
         <p:spPr>
           <a:xfrm>
             <a:off x="1001860" y="2639557"/>
-            <a:ext cx="2082073" cy="307777"/>
+            <a:ext cx="2082073" cy="523220"/>
           </a:xfrm>
           <a:prstGeom prst="rect">
             <a:avLst/>
@@ -5336,6 +5336,24 @@
             <a:spAutoFit/>
           </a:bodyPr>
           <a:lstStyle/>
+          <a:p>
+            <a:pPr algn="ctr"/>
+            <a:r>
+              <a:rPr lang="en-US" altLang="ja-JP" sz="1400" dirty="0">
+                <a:latin typeface="Times Newer Roman" panose="00000500000000000000" pitchFamily="50" charset="0"/>
+              </a:rPr>
+              <a:t>PAD</a:t>
+            </a:r>
+            <a:r>
+              <a:rPr lang="ja-JP" altLang="en-US" sz="1400" dirty="0">
+                <a:latin typeface="Times Newer Roman" panose="00000500000000000000" pitchFamily="50" charset="0"/>
+              </a:rPr>
+              <a:t>配置</a:t>
+            </a:r>
+            <a:endParaRPr lang="en-US" altLang="ja-JP" sz="1400" dirty="0">
+              <a:latin typeface="Times Newer Roman" panose="00000500000000000000" pitchFamily="50" charset="0"/>
+            </a:endParaRPr>
+          </a:p>
           <a:p>
             <a:pPr algn="ctr"/>
             <a:r>
@@ -6101,47 +6119,6 @@
                 <a:latin typeface="Times Newer Roman" panose="00000500000000000000" pitchFamily="50" charset="0"/>
               </a:rPr>
               <a:t>8/11</a:t>
-            </a:r>
-            <a:endParaRPr kumimoji="1" lang="ja-JP" altLang="en-US" sz="1600" dirty="0">
-              <a:latin typeface="Times Newer Roman" panose="00000500000000000000" pitchFamily="50" charset="0"/>
-            </a:endParaRPr>
-          </a:p>
-        </p:txBody>
-      </p:sp>
-      <p:sp>
-        <p:nvSpPr>
-          <p:cNvPr id="41" name="テキスト ボックス 40">
-            <a:extLst>
-              <a:ext uri="{FF2B5EF4-FFF2-40B4-BE49-F238E27FC236}">
-                <a16:creationId xmlns:a16="http://schemas.microsoft.com/office/drawing/2014/main" id="{CC78721D-6D7C-D2E8-0CA6-653E27AF2B96}"/>
-              </a:ext>
-            </a:extLst>
-          </p:cNvPr>
-          <p:cNvSpPr txBox="1"/>
-          <p:nvPr/>
-        </p:nvSpPr>
-        <p:spPr>
-          <a:xfrm>
-            <a:off x="8721254" y="2970358"/>
-            <a:ext cx="1018903" cy="338554"/>
-          </a:xfrm>
-          <a:prstGeom prst="rect">
-            <a:avLst/>
-          </a:prstGeom>
-          <a:noFill/>
-        </p:spPr>
-        <p:txBody>
-          <a:bodyPr wrap="square" rtlCol="0">
-            <a:spAutoFit/>
-          </a:bodyPr>
-          <a:lstStyle/>
-          <a:p>
-            <a:pPr algn="ctr"/>
-            <a:r>
-              <a:rPr lang="en-US" altLang="ja-JP" sz="1600" dirty="0">
-                <a:latin typeface="Times Newer Roman" panose="00000500000000000000" pitchFamily="50" charset="0"/>
-              </a:rPr>
-              <a:t>9/8</a:t>
             </a:r>
             <a:endParaRPr kumimoji="1" lang="ja-JP" altLang="en-US" sz="1600" dirty="0">
               <a:latin typeface="Times Newer Roman" panose="00000500000000000000" pitchFamily="50" charset="0"/>
